--- a/figures/Occluder_figure.pptx
+++ b/figures/Occluder_figure.pptx
@@ -3860,9 +3860,9 @@
           <p:nvPr/>
         </p:nvCxnSpPr>
         <p:spPr>
-          <a:xfrm>
-            <a:off x="33197" y="4351357"/>
-            <a:ext cx="7657513" cy="0"/>
+          <a:xfrm flipV="1">
+            <a:off x="2770937" y="4923332"/>
+            <a:ext cx="6788674" cy="1462"/>
           </a:xfrm>
           <a:prstGeom prst="line">
             <a:avLst/>
@@ -3903,13 +3903,24 @@
           <p:nvPr/>
         </p:nvPicPr>
         <p:blipFill rotWithShape="1">
-          <a:blip r:embed="rId2"/>
+          <a:blip r:embed="rId2">
+            <a:clrChange>
+              <a:clrFrom>
+                <a:srgbClr val="FFFFFF"/>
+              </a:clrFrom>
+              <a:clrTo>
+                <a:srgbClr val="FFFFFF">
+                  <a:alpha val="0"/>
+                </a:srgbClr>
+              </a:clrTo>
+            </a:clrChange>
+          </a:blip>
           <a:srcRect l="8351" t="17229" r="8282" b="16554"/>
           <a:stretch/>
         </p:blipFill>
         <p:spPr>
           <a:xfrm>
-            <a:off x="1582359" y="3828674"/>
+            <a:off x="4320099" y="4402111"/>
             <a:ext cx="3620591" cy="1042443"/>
           </a:xfrm>
           <a:prstGeom prst="rect">
@@ -3931,8 +3942,8 @@
         </p:nvSpPr>
         <p:spPr>
           <a:xfrm>
-            <a:off x="2476926" y="61541"/>
-            <a:ext cx="1121661" cy="4726218"/>
+            <a:off x="5214666" y="573437"/>
+            <a:ext cx="1125936" cy="4787759"/>
           </a:xfrm>
           <a:prstGeom prst="rect">
             <a:avLst/>
@@ -3985,8 +3996,8 @@
         </p:nvSpPr>
         <p:spPr>
           <a:xfrm>
-            <a:off x="3606845" y="57484"/>
-            <a:ext cx="1560528" cy="4730274"/>
+            <a:off x="6344585" y="573436"/>
+            <a:ext cx="1560528" cy="4787759"/>
           </a:xfrm>
           <a:prstGeom prst="rect">
             <a:avLst/>
@@ -4039,8 +4050,8 @@
         </p:nvSpPr>
         <p:spPr>
           <a:xfrm>
-            <a:off x="1596774" y="69450"/>
-            <a:ext cx="880152" cy="4725597"/>
+            <a:off x="4334514" y="573437"/>
+            <a:ext cx="880152" cy="4795047"/>
           </a:xfrm>
           <a:prstGeom prst="rect">
             <a:avLst/>
@@ -4101,7 +4112,7 @@
         </p:blipFill>
         <p:spPr>
           <a:xfrm>
-            <a:off x="6096000" y="3429000"/>
+            <a:off x="7964901" y="3492932"/>
             <a:ext cx="1594710" cy="897024"/>
           </a:xfrm>
           <a:prstGeom prst="rect">
@@ -4111,10 +4122,10 @@
       </p:pic>
       <p:pic>
         <p:nvPicPr>
-          <p:cNvPr id="40" name="Picture 39" descr="A person brushing her teeth&#10;&#10;Description automatically generated">
-            <a:extLst>
-              <a:ext uri="{FF2B5EF4-FFF2-40B4-BE49-F238E27FC236}">
-                <a16:creationId xmlns:a16="http://schemas.microsoft.com/office/drawing/2014/main" id="{8D8C0FFC-9570-0D54-6A18-11B576F456A1}"/>
+          <p:cNvPr id="45" name="Picture 44" descr="A person brushing her teeth&#10;&#10;Description automatically generated">
+            <a:extLst>
+              <a:ext uri="{FF2B5EF4-FFF2-40B4-BE49-F238E27FC236}">
+                <a16:creationId xmlns:a16="http://schemas.microsoft.com/office/drawing/2014/main" id="{D15BA07D-F63C-CA3D-B2F1-2EF6D818A425}"/>
               </a:ext>
             </a:extLst>
           </p:cNvPr>
@@ -4131,37 +4142,7 @@
         </p:blipFill>
         <p:spPr>
           <a:xfrm>
-            <a:off x="5202950" y="2898654"/>
-            <a:ext cx="1594710" cy="897024"/>
-          </a:xfrm>
-          <a:prstGeom prst="rect">
-            <a:avLst/>
-          </a:prstGeom>
-        </p:spPr>
-      </p:pic>
-      <p:pic>
-        <p:nvPicPr>
-          <p:cNvPr id="45" name="Picture 44" descr="A person brushing her teeth&#10;&#10;Description automatically generated">
-            <a:extLst>
-              <a:ext uri="{FF2B5EF4-FFF2-40B4-BE49-F238E27FC236}">
-                <a16:creationId xmlns:a16="http://schemas.microsoft.com/office/drawing/2014/main" id="{D15BA07D-F63C-CA3D-B2F1-2EF6D818A425}"/>
-              </a:ext>
-            </a:extLst>
-          </p:cNvPr>
-          <p:cNvPicPr>
-            <a:picLocks noChangeAspect="1"/>
-          </p:cNvPicPr>
-          <p:nvPr/>
-        </p:nvPicPr>
-        <p:blipFill>
-          <a:blip r:embed="rId4"/>
-          <a:stretch>
-            <a:fillRect/>
-          </a:stretch>
-        </p:blipFill>
-        <p:spPr>
-          <a:xfrm>
-            <a:off x="4348150" y="2414579"/>
+            <a:off x="7085890" y="2988016"/>
             <a:ext cx="1594710" cy="897024"/>
           </a:xfrm>
           <a:prstGeom prst="rect">
@@ -4191,7 +4172,7 @@
         </p:blipFill>
         <p:spPr>
           <a:xfrm>
-            <a:off x="3500794" y="1931020"/>
+            <a:off x="6238534" y="2504457"/>
             <a:ext cx="1594710" cy="897024"/>
           </a:xfrm>
           <a:prstGeom prst="rect">
@@ -4221,7 +4202,7 @@
         </p:blipFill>
         <p:spPr>
           <a:xfrm>
-            <a:off x="2632172" y="1448265"/>
+            <a:off x="5369912" y="2021702"/>
             <a:ext cx="1594710" cy="897024"/>
           </a:xfrm>
           <a:prstGeom prst="rect">
@@ -4251,7 +4232,7 @@
         </p:blipFill>
         <p:spPr>
           <a:xfrm>
-            <a:off x="1763550" y="965510"/>
+            <a:off x="4501290" y="1538947"/>
             <a:ext cx="1594710" cy="897024"/>
           </a:xfrm>
           <a:prstGeom prst="rect">
@@ -4281,7 +4262,7 @@
         </p:blipFill>
         <p:spPr>
           <a:xfrm>
-            <a:off x="894928" y="482755"/>
+            <a:off x="3632668" y="1056192"/>
             <a:ext cx="1594710" cy="897024"/>
           </a:xfrm>
           <a:prstGeom prst="rect">
@@ -4303,7 +4284,7 @@
         </p:nvSpPr>
         <p:spPr>
           <a:xfrm>
-            <a:off x="2673390" y="3750204"/>
+            <a:off x="5411130" y="4323641"/>
             <a:ext cx="789709" cy="369332"/>
           </a:xfrm>
           <a:prstGeom prst="rect">
@@ -4349,7 +4330,7 @@
         </p:nvSpPr>
         <p:spPr>
           <a:xfrm>
-            <a:off x="1842463" y="3722718"/>
+            <a:off x="4580203" y="4296155"/>
             <a:ext cx="789709" cy="369332"/>
           </a:xfrm>
           <a:prstGeom prst="rect">
@@ -4395,7 +4376,7 @@
         </p:nvSpPr>
         <p:spPr>
           <a:xfrm>
-            <a:off x="3861953" y="3770587"/>
+            <a:off x="6599693" y="4344024"/>
             <a:ext cx="789709" cy="369332"/>
           </a:xfrm>
           <a:prstGeom prst="rect">
@@ -4449,7 +4430,7 @@
         </p:blipFill>
         <p:spPr>
           <a:xfrm>
-            <a:off x="33197" y="0"/>
+            <a:off x="2770937" y="573437"/>
             <a:ext cx="1594710" cy="897024"/>
           </a:xfrm>
           <a:prstGeom prst="rect">
@@ -4471,7 +4452,7 @@
         </p:nvSpPr>
         <p:spPr>
           <a:xfrm>
-            <a:off x="-138267" y="1657564"/>
+            <a:off x="2599473" y="2231001"/>
             <a:ext cx="1784816" cy="830997"/>
           </a:xfrm>
           <a:prstGeom prst="rect">
@@ -4509,7 +4490,7 @@
         </p:nvSpPr>
         <p:spPr>
           <a:xfrm>
-            <a:off x="1186924" y="2796217"/>
+            <a:off x="3924664" y="3369654"/>
             <a:ext cx="2313870" cy="830997"/>
           </a:xfrm>
           <a:prstGeom prst="rect">
@@ -4547,7 +4528,7 @@
         </p:nvSpPr>
         <p:spPr>
           <a:xfrm rot="7064877">
-            <a:off x="2904461" y="1260622"/>
+            <a:off x="5642201" y="1834059"/>
             <a:ext cx="238445" cy="2756049"/>
           </a:xfrm>
           <a:prstGeom prst="rightBrace">
@@ -4596,7 +4577,7 @@
         </p:nvSpPr>
         <p:spPr>
           <a:xfrm>
-            <a:off x="5747406" y="1505636"/>
+            <a:off x="8420228" y="2300594"/>
             <a:ext cx="1784816" cy="830997"/>
           </a:xfrm>
           <a:prstGeom prst="rect">
@@ -4634,8 +4615,8 @@
         </p:nvSpPr>
         <p:spPr>
           <a:xfrm rot="7064877" flipH="1">
-            <a:off x="6463049" y="1081540"/>
-            <a:ext cx="353531" cy="2930938"/>
+            <a:off x="8804223" y="2036718"/>
+            <a:ext cx="261625" cy="2016733"/>
           </a:xfrm>
           <a:prstGeom prst="rightBrace">
             <a:avLst/>
@@ -4683,7 +4664,7 @@
         </p:nvSpPr>
         <p:spPr>
           <a:xfrm rot="7064877">
-            <a:off x="817228" y="543605"/>
+            <a:off x="3554968" y="1117042"/>
             <a:ext cx="212510" cy="1945045"/>
           </a:xfrm>
           <a:prstGeom prst="rightBrace">
@@ -4732,8 +4713,8 @@
         </p:nvSpPr>
         <p:spPr>
           <a:xfrm>
-            <a:off x="1960542" y="4795341"/>
-            <a:ext cx="2215404" cy="338554"/>
+            <a:off x="5094464" y="5451225"/>
+            <a:ext cx="1942026" cy="338554"/>
           </a:xfrm>
           <a:prstGeom prst="rect">
             <a:avLst/>
@@ -4751,7 +4732,7 @@
               <a:rPr lang="en-US" sz="1600" dirty="0">
                 <a:latin typeface="Times" pitchFamily="2" charset="0"/>
               </a:rPr>
-              <a:t>Audio duration 750 </a:t>
+              <a:t>Audio (~741 </a:t>
             </a:r>
             <a:r>
               <a:rPr lang="en-US" sz="1600" dirty="0" err="1">
@@ -4759,18 +4740,21 @@
               </a:rPr>
               <a:t>ms</a:t>
             </a:r>
-            <a:endParaRPr lang="en-US" sz="1600" dirty="0">
-              <a:latin typeface="Times" pitchFamily="2" charset="0"/>
-            </a:endParaRPr>
-          </a:p>
-        </p:txBody>
-      </p:sp>
-      <p:sp>
-        <p:nvSpPr>
-          <p:cNvPr id="34" name="TextBox 33">
-            <a:extLst>
-              <a:ext uri="{FF2B5EF4-FFF2-40B4-BE49-F238E27FC236}">
-                <a16:creationId xmlns:a16="http://schemas.microsoft.com/office/drawing/2014/main" id="{383DFB2F-393F-98DA-39C2-B684B0758184}"/>
+            <a:r>
+              <a:rPr lang="en-US" sz="1600" dirty="0">
+                <a:latin typeface="Times" pitchFamily="2" charset="0"/>
+              </a:rPr>
+              <a:t>)</a:t>
+            </a:r>
+          </a:p>
+        </p:txBody>
+      </p:sp>
+      <p:sp>
+        <p:nvSpPr>
+          <p:cNvPr id="37" name="TextBox 36">
+            <a:extLst>
+              <a:ext uri="{FF2B5EF4-FFF2-40B4-BE49-F238E27FC236}">
+                <a16:creationId xmlns:a16="http://schemas.microsoft.com/office/drawing/2014/main" id="{CA997A61-BA6B-BE06-3C35-211B7A3EE592}"/>
               </a:ext>
             </a:extLst>
           </p:cNvPr>
@@ -4779,8 +4763,8 @@
         </p:nvSpPr>
         <p:spPr>
           <a:xfrm>
-            <a:off x="640914" y="5704324"/>
-            <a:ext cx="5301945" cy="338554"/>
+            <a:off x="3116224" y="5859048"/>
+            <a:ext cx="6169230" cy="369332"/>
           </a:xfrm>
           <a:prstGeom prst="rect">
             <a:avLst/>
@@ -4788,6 +4772,56 @@
           <a:noFill/>
         </p:spPr>
         <p:txBody>
+          <a:bodyPr wrap="square">
+            <a:spAutoFit/>
+          </a:bodyPr>
+          <a:lstStyle/>
+          <a:p>
+            <a:pPr algn="ctr"/>
+            <a:r>
+              <a:rPr lang="en-US" sz="1800" dirty="0">
+                <a:latin typeface="Times" pitchFamily="2" charset="0"/>
+              </a:rPr>
+              <a:t>full video duration ~1361ms (</a:t>
+            </a:r>
+            <a:r>
+              <a:rPr lang="en-US" sz="1800" dirty="0" err="1">
+                <a:latin typeface="Times" pitchFamily="2" charset="0"/>
+              </a:rPr>
+              <a:t>sd</a:t>
+            </a:r>
+            <a:r>
+              <a:rPr lang="en-US" sz="1800" dirty="0">
+                <a:latin typeface="Times" pitchFamily="2" charset="0"/>
+              </a:rPr>
+              <a:t> 54)</a:t>
+            </a:r>
+          </a:p>
+        </p:txBody>
+      </p:sp>
+      <p:sp>
+        <p:nvSpPr>
+          <p:cNvPr id="38" name="TextBox 37">
+            <a:extLst>
+              <a:ext uri="{FF2B5EF4-FFF2-40B4-BE49-F238E27FC236}">
+                <a16:creationId xmlns:a16="http://schemas.microsoft.com/office/drawing/2014/main" id="{34742BF5-6F08-4E1B-45C0-36937D037E61}"/>
+              </a:ext>
+            </a:extLst>
+          </p:cNvPr>
+          <p:cNvSpPr txBox="1"/>
+          <p:nvPr/>
+        </p:nvSpPr>
+        <p:spPr>
+          <a:xfrm>
+            <a:off x="2770936" y="5435319"/>
+            <a:ext cx="1715421" cy="338554"/>
+          </a:xfrm>
+          <a:prstGeom prst="rect">
+            <a:avLst/>
+          </a:prstGeom>
+          <a:noFill/>
+        </p:spPr>
+        <p:txBody>
           <a:bodyPr wrap="square" rtlCol="0">
             <a:spAutoFit/>
           </a:bodyPr>
@@ -4798,20 +4832,79 @@
               <a:rPr lang="en-US" sz="1600" dirty="0">
                 <a:latin typeface="Times" pitchFamily="2" charset="0"/>
               </a:rPr>
-              <a:t>Full video </a:t>
-            </a:r>
-            <a:r>
-              <a:rPr lang="en-US" sz="1600">
+              <a:t>Fade-in (~300ms)</a:t>
+            </a:r>
+          </a:p>
+        </p:txBody>
+      </p:sp>
+      <p:sp>
+        <p:nvSpPr>
+          <p:cNvPr id="39" name="TextBox 38">
+            <a:extLst>
+              <a:ext uri="{FF2B5EF4-FFF2-40B4-BE49-F238E27FC236}">
+                <a16:creationId xmlns:a16="http://schemas.microsoft.com/office/drawing/2014/main" id="{BE4C43D9-BCF5-C3C5-6A47-DC824E70F981}"/>
+              </a:ext>
+            </a:extLst>
+          </p:cNvPr>
+          <p:cNvSpPr txBox="1"/>
+          <p:nvPr/>
+        </p:nvSpPr>
+        <p:spPr>
+          <a:xfrm>
+            <a:off x="7709587" y="5435419"/>
+            <a:ext cx="1942026" cy="338554"/>
+          </a:xfrm>
+          <a:prstGeom prst="rect">
+            <a:avLst/>
+          </a:prstGeom>
+          <a:noFill/>
+        </p:spPr>
+        <p:txBody>
+          <a:bodyPr wrap="square" rtlCol="0">
+            <a:spAutoFit/>
+          </a:bodyPr>
+          <a:lstStyle/>
+          <a:p>
+            <a:pPr algn="ctr"/>
+            <a:r>
+              <a:rPr lang="en-US" sz="1600" dirty="0">
                 <a:latin typeface="Times" pitchFamily="2" charset="0"/>
               </a:rPr>
-              <a:t>duration </a:t>
-            </a:r>
-            <a:endParaRPr lang="en-US" sz="1600" dirty="0">
-              <a:latin typeface="Times" pitchFamily="2" charset="0"/>
-            </a:endParaRPr>
-          </a:p>
-        </p:txBody>
-      </p:sp>
+              <a:t>Fade-out (~300ms)</a:t>
+            </a:r>
+          </a:p>
+        </p:txBody>
+      </p:sp>
+      <p:pic>
+        <p:nvPicPr>
+          <p:cNvPr id="42" name="Picture 41">
+            <a:extLst>
+              <a:ext uri="{FF2B5EF4-FFF2-40B4-BE49-F238E27FC236}">
+                <a16:creationId xmlns:a16="http://schemas.microsoft.com/office/drawing/2014/main" id="{A4EF335F-E5C9-BDEF-6653-39D4DC55265F}"/>
+              </a:ext>
+            </a:extLst>
+          </p:cNvPr>
+          <p:cNvPicPr>
+            <a:picLocks noChangeAspect="1"/>
+          </p:cNvPicPr>
+          <p:nvPr/>
+        </p:nvPicPr>
+        <p:blipFill>
+          <a:blip r:embed="rId10"/>
+          <a:stretch>
+            <a:fillRect/>
+          </a:stretch>
+        </p:blipFill>
+        <p:spPr>
+          <a:xfrm>
+            <a:off x="51283" y="-119898"/>
+            <a:ext cx="7620000" cy="5740400"/>
+          </a:xfrm>
+          <a:prstGeom prst="rect">
+            <a:avLst/>
+          </a:prstGeom>
+        </p:spPr>
+      </p:pic>
     </p:spTree>
     <p:extLst>
       <p:ext uri="{BB962C8B-B14F-4D97-AF65-F5344CB8AC3E}">
